--- a/09-reproducibility.pptx
+++ b/09-reproducibility.pptx
@@ -284,7 +284,7 @@
           <a:p>
             <a:fld id="{0B842F42-2CE9-4E35-95C1-410DC08A50B1}" type="datetimeFigureOut">
               <a:rPr lang="en-US" smtClean="0"/>
-              <a:t>7/25/2020</a:t>
+              <a:t>7/28/2020</a:t>
             </a:fld>
             <a:endParaRPr lang="en-US"/>
           </a:p>
@@ -449,7 +449,7 @@
           <a:p>
             <a:fld id="{6F282904-F315-4730-8D91-37D99E141A6F}" type="datetimeFigureOut">
               <a:rPr lang="en-US" smtClean="0"/>
-              <a:t>7/25/2020</a:t>
+              <a:t>7/28/2020</a:t>
             </a:fld>
             <a:endParaRPr lang="en-US"/>
           </a:p>
@@ -8981,26 +8981,20 @@
             <a:spLocks noGrp="1"/>
           </p:cNvSpPr>
           <p:nvPr>
-            <p:ph sz="quarter" idx="1"/>
+            <p:ph idx="1"/>
           </p:nvPr>
         </p:nvSpPr>
-        <p:spPr>
-          <a:xfrm>
-            <a:off x="2135060" y="1600199"/>
-            <a:ext cx="8086853" cy="4769490"/>
-          </a:xfrm>
-        </p:spPr>
+        <p:spPr/>
         <p:txBody>
           <a:bodyPr>
             <a:normAutofit/>
           </a:bodyPr>
           <a:lstStyle/>
           <a:p>
-            <a:pPr marL="0" indent="0">
+            <a:pPr>
               <a:spcBef>
-                <a:spcPts val="0"/>
+                <a:spcPts val="800"/>
               </a:spcBef>
-              <a:buNone/>
             </a:pPr>
             <a:r>
               <a:rPr lang="en-US" dirty="0"/>
@@ -9015,20 +9009,10 @@
             <a:endParaRPr lang="en-US" dirty="0"/>
           </a:p>
           <a:p>
-            <a:pPr marL="0" indent="0">
+            <a:pPr>
               <a:spcBef>
-                <a:spcPts val="0"/>
+                <a:spcPts val="800"/>
               </a:spcBef>
-              <a:buNone/>
-            </a:pPr>
-            <a:endParaRPr lang="en-US" dirty="0"/>
-          </a:p>
-          <a:p>
-            <a:pPr marL="0" indent="0">
-              <a:spcBef>
-                <a:spcPts val="0"/>
-              </a:spcBef>
-              <a:buNone/>
             </a:pPr>
             <a:r>
               <a:rPr lang="en-US" dirty="0"/>
@@ -9059,20 +9043,10 @@
             <a:endParaRPr lang="en-US" dirty="0"/>
           </a:p>
           <a:p>
-            <a:pPr marL="0" indent="0">
+            <a:pPr>
               <a:spcBef>
-                <a:spcPts val="0"/>
+                <a:spcPts val="800"/>
               </a:spcBef>
-              <a:buNone/>
-            </a:pPr>
-            <a:endParaRPr lang="en-US" dirty="0"/>
-          </a:p>
-          <a:p>
-            <a:pPr marL="0" indent="0">
-              <a:spcBef>
-                <a:spcPts val="0"/>
-              </a:spcBef>
-              <a:buNone/>
             </a:pPr>
             <a:r>
               <a:rPr lang="en-US" dirty="0"/>
@@ -9110,6 +9084,49 @@
               <a:rPr lang="en-US" dirty="0"/>
               <a:t> Science (09 Dec 2016), pp. 1240-1241</a:t>
             </a:r>
+          </a:p>
+          <a:p>
+            <a:pPr>
+              <a:spcBef>
+                <a:spcPts val="800"/>
+              </a:spcBef>
+            </a:pPr>
+            <a:r>
+              <a:rPr lang="en-US" dirty="0"/>
+              <a:t>Simple experiments in reproducibility and technical trust by Mike </a:t>
+            </a:r>
+            <a:r>
+              <a:rPr lang="en-US" dirty="0" err="1"/>
+              <a:t>Heroux</a:t>
+            </a:r>
+            <a:r>
+              <a:rPr lang="en-US" dirty="0"/>
+              <a:t> and students (work </a:t>
+            </a:r>
+            <a:r>
+              <a:rPr lang="en-US"/>
+              <a:t>in progress),</a:t>
+            </a:r>
+            <a:r>
+              <a:rPr lang="en-US">
+                <a:hlinkClick r:id="rId4"/>
+              </a:rPr>
+              <a:t> </a:t>
+            </a:r>
+            <a:r>
+              <a:rPr lang="en-US" u="sng" dirty="0">
+                <a:hlinkClick r:id="rId4"/>
+              </a:rPr>
+              <a:t>https://betterscientificsoftware.github.io/Trust-Tools/</a:t>
+            </a:r>
+            <a:endParaRPr lang="en-US" u="sng" dirty="0"/>
+          </a:p>
+          <a:p>
+            <a:pPr>
+              <a:spcBef>
+                <a:spcPts val="800"/>
+              </a:spcBef>
+            </a:pPr>
             <a:endParaRPr lang="en-US" sz="1600" dirty="0"/>
           </a:p>
         </p:txBody>
@@ -11558,12 +11575,6 @@
 </file>
 
 <file path=customXml/item1.xml><?xml version="1.0" encoding="utf-8"?>
-<p:properties xmlns:p="http://schemas.microsoft.com/office/2006/metadata/properties" xmlns:xsi="http://www.w3.org/2001/XMLSchema-instance" xmlns:pc="http://schemas.microsoft.com/office/infopath/2007/PartnerControls">
-  <documentManagement/>
-</p:properties>
-</file>
-
-<file path=customXml/item2.xml><?xml version="1.0" encoding="utf-8"?>
 <ct:contentTypeSchema xmlns:ct="http://schemas.microsoft.com/office/2006/metadata/contentType" xmlns:ma="http://schemas.microsoft.com/office/2006/metadata/properties/metaAttributes" ct:_="" ma:_="" ma:contentTypeName="Document" ma:contentTypeID="0x010100565464437F680748A68B85EB6594EA7D" ma:contentTypeVersion="0" ma:contentTypeDescription="Create a new document." ma:contentTypeScope="" ma:versionID="fe3f4dd58d5914c51cfc6deaa8ad845c">
   <xsd:schema xmlns:xsd="http://www.w3.org/2001/XMLSchema" xmlns:p="http://schemas.microsoft.com/office/2006/metadata/properties" targetNamespace="http://schemas.microsoft.com/office/2006/metadata/properties" ma:root="true" ma:fieldsID="4aeb20c0e3442673af7ee10786458764">
     <xsd:element name="properties">
@@ -11612,6 +11623,12 @@
 </ct:contentTypeSchema>
 </file>
 
+<file path=customXml/item2.xml><?xml version="1.0" encoding="utf-8"?>
+<p:properties xmlns:p="http://schemas.microsoft.com/office/2006/metadata/properties" xmlns:xsi="http://www.w3.org/2001/XMLSchema-instance" xmlns:pc="http://schemas.microsoft.com/office/infopath/2007/PartnerControls">
+  <documentManagement/>
+</p:properties>
+</file>
+
 <file path=customXml/item3.xml><?xml version="1.0" encoding="utf-8"?>
 <?mso-contentType ?>
 <FormTemplates xmlns="http://schemas.microsoft.com/sharepoint/v3/contenttype/forms">
@@ -11622,6 +11639,21 @@
 </file>
 
 <file path=customXml/itemProps1.xml><?xml version="1.0" encoding="utf-8"?>
+<ds:datastoreItem xmlns:ds="http://schemas.openxmlformats.org/officeDocument/2006/customXml" ds:itemID="{E8DB7DEB-074E-4EE8-9B6E-FD277323109C}">
+  <ds:schemaRefs>
+    <ds:schemaRef ds:uri="http://schemas.microsoft.com/office/2006/metadata/contentType"/>
+    <ds:schemaRef ds:uri="http://schemas.microsoft.com/office/2006/metadata/properties/metaAttributes"/>
+    <ds:schemaRef ds:uri="http://www.w3.org/2001/XMLSchema"/>
+    <ds:schemaRef ds:uri="http://schemas.microsoft.com/office/2006/metadata/properties"/>
+    <ds:schemaRef ds:uri="http://schemas.openxmlformats.org/package/2006/metadata/core-properties"/>
+    <ds:schemaRef ds:uri="http://purl.org/dc/elements/1.1/"/>
+    <ds:schemaRef ds:uri="http://purl.org/dc/terms/"/>
+    <ds:schemaRef ds:uri="http://schemas.microsoft.com/office/internal/2005/internalDocumentation"/>
+  </ds:schemaRefs>
+</ds:datastoreItem>
+</file>
+
+<file path=customXml/itemProps2.xml><?xml version="1.0" encoding="utf-8"?>
 <ds:datastoreItem xmlns:ds="http://schemas.openxmlformats.org/officeDocument/2006/customXml" ds:itemID="{A50EC660-24D0-43A0-AE5E-E274115E726B}">
   <ds:schemaRefs>
     <ds:schemaRef ds:uri="http://purl.org/dc/terms/"/>
@@ -11636,21 +11668,6 @@
 </ds:datastoreItem>
 </file>
 
-<file path=customXml/itemProps2.xml><?xml version="1.0" encoding="utf-8"?>
-<ds:datastoreItem xmlns:ds="http://schemas.openxmlformats.org/officeDocument/2006/customXml" ds:itemID="{E8DB7DEB-074E-4EE8-9B6E-FD277323109C}">
-  <ds:schemaRefs>
-    <ds:schemaRef ds:uri="http://schemas.microsoft.com/office/2006/metadata/contentType"/>
-    <ds:schemaRef ds:uri="http://schemas.microsoft.com/office/2006/metadata/properties/metaAttributes"/>
-    <ds:schemaRef ds:uri="http://www.w3.org/2001/XMLSchema"/>
-    <ds:schemaRef ds:uri="http://schemas.microsoft.com/office/2006/metadata/properties"/>
-    <ds:schemaRef ds:uri="http://schemas.openxmlformats.org/package/2006/metadata/core-properties"/>
-    <ds:schemaRef ds:uri="http://purl.org/dc/elements/1.1/"/>
-    <ds:schemaRef ds:uri="http://purl.org/dc/terms/"/>
-    <ds:schemaRef ds:uri="http://schemas.microsoft.com/office/internal/2005/internalDocumentation"/>
-  </ds:schemaRefs>
-</ds:datastoreItem>
-</file>
-
 <file path=customXml/itemProps3.xml><?xml version="1.0" encoding="utf-8"?>
 <ds:datastoreItem xmlns:ds="http://schemas.openxmlformats.org/officeDocument/2006/customXml" ds:itemID="{19E20559-B232-4371-8690-E3D8007EDB82}">
   <ds:schemaRefs>

--- a/09-reproducibility.pptx
+++ b/09-reproducibility.pptx
@@ -12,7 +12,7 @@
   </p:handoutMasterIdLst>
   <p:sldIdLst>
     <p:sldId id="318" r:id="rId5"/>
-    <p:sldId id="320" r:id="rId6"/>
+    <p:sldId id="1843" r:id="rId6"/>
     <p:sldId id="1820" r:id="rId7"/>
     <p:sldId id="1838" r:id="rId8"/>
     <p:sldId id="1824" r:id="rId9"/>
@@ -284,7 +284,7 @@
           <a:p>
             <a:fld id="{0B842F42-2CE9-4E35-95C1-410DC08A50B1}" type="datetimeFigureOut">
               <a:rPr lang="en-US" smtClean="0"/>
-              <a:t>7/28/2020</a:t>
+              <a:t>8/2/2020</a:t>
             </a:fld>
             <a:endParaRPr lang="en-US"/>
           </a:p>
@@ -449,7 +449,7 @@
           <a:p>
             <a:fld id="{6F282904-F315-4730-8D91-37D99E141A6F}" type="datetimeFigureOut">
               <a:rPr lang="en-US" smtClean="0"/>
-              <a:t>7/28/2020</a:t>
+              <a:t>8/2/2020</a:t>
             </a:fld>
             <a:endParaRPr lang="en-US"/>
           </a:p>
@@ -3646,22 +3646,7 @@
           <a:p>
             <a:r>
               <a:rPr lang="en-US" sz="2000" dirty="0"/>
-              <a:t>Better Scientific Software Tutorial</a:t>
-            </a:r>
-            <a:br>
-              <a:rPr lang="en-US" sz="2000" dirty="0"/>
-            </a:br>
-            <a:r>
-              <a:rPr lang="en-US" sz="2000" dirty="0"/>
-              <a:t>RF </a:t>
-            </a:r>
-            <a:r>
-              <a:rPr lang="en-US" sz="2000" dirty="0" err="1"/>
-              <a:t>SciDAC</a:t>
-            </a:r>
-            <a:r>
-              <a:rPr lang="en-US" sz="2000" dirty="0"/>
-              <a:t> 2020 Workshop</a:t>
+              <a:t>Software Productivity Track, ATPESC 2020</a:t>
             </a:r>
           </a:p>
         </p:txBody>
@@ -6361,23 +6346,23 @@
               </a:spcBef>
             </a:pPr>
             <a:r>
-              <a:rPr lang="en-US" sz="1800" dirty="0"/>
+              <a:rPr lang="en-US" sz="1600" dirty="0"/>
               <a:t>This work is licensed under a </a:t>
             </a:r>
             <a:r>
-              <a:rPr lang="en-US" sz="1800" dirty="0">
+              <a:rPr lang="en-US" sz="1600" dirty="0">
                 <a:hlinkClick r:id="rId2"/>
               </a:rPr>
               <a:t>Creative</a:t>
             </a:r>
             <a:r>
-              <a:rPr lang="en-US" sz="1800" dirty="0">
+              <a:rPr lang="en-US" sz="1600" dirty="0">
                 <a:hlinkClick r:id="rId3"/>
               </a:rPr>
               <a:t> Commons Attribution 4.0 International License</a:t>
             </a:r>
             <a:r>
-              <a:rPr lang="en-US" sz="1800" dirty="0"/>
+              <a:rPr lang="en-US" sz="1600" dirty="0"/>
               <a:t> (CC BY 4.0).</a:t>
             </a:r>
           </a:p>
@@ -6388,24 +6373,24 @@
               </a:spcBef>
             </a:pPr>
             <a:r>
-              <a:rPr lang="en-US" sz="1800" b="1" dirty="0"/>
-              <a:t>The requested citation the overall tutorial is: David E. Bernholdt, Better Scientific Software tutorial, in RF </a:t>
-            </a:r>
-            <a:r>
-              <a:rPr lang="en-US" sz="1800" b="1" dirty="0" err="1"/>
-              <a:t>SciDAC</a:t>
-            </a:r>
-            <a:r>
-              <a:rPr lang="en-US" sz="1800" b="1" dirty="0"/>
-              <a:t> 2020 Workshop, Knoxville, Tennessee. DOI: </a:t>
-            </a:r>
-            <a:r>
-              <a:rPr lang="en-US" sz="1800" b="1" dirty="0">
+              <a:rPr lang="en-US" sz="1600" b="1" dirty="0"/>
+              <a:t>The requested citation the overall tutorial is: David E. Bernholdt, Anshu Dubey, Mark C. Miller, Katherine M. Riley, and James M. </a:t>
+            </a:r>
+            <a:r>
+              <a:rPr lang="en-US" sz="1600" b="1" dirty="0" err="1"/>
+              <a:t>Willenbring</a:t>
+            </a:r>
+            <a:r>
+              <a:rPr lang="en-US" sz="1600" b="1" dirty="0"/>
+              <a:t>, Software Productivity Track, in Argonne Training Program for Extreme Scale Computing (ATPESC), online. DOI: </a:t>
+            </a:r>
+            <a:r>
+              <a:rPr lang="en-US" sz="1600" b="1" dirty="0">
                 <a:hlinkClick r:id="rId4"/>
               </a:rPr>
-              <a:t>10.6084/m9.figshare.11918397</a:t>
-            </a:r>
-            <a:endParaRPr lang="en-US" sz="1800" b="1" dirty="0"/>
+              <a:t>10.6084/m9.figshare.12719834</a:t>
+            </a:r>
+            <a:endParaRPr lang="en-US" sz="1600" b="1" dirty="0"/>
           </a:p>
           <a:p>
             <a:pPr>
@@ -6414,16 +6399,16 @@
               </a:spcBef>
             </a:pPr>
             <a:r>
-              <a:rPr lang="en-US" sz="1800" dirty="0"/>
+              <a:rPr lang="en-US" sz="1600" dirty="0"/>
               <a:t>Individual modules may be cited as </a:t>
             </a:r>
             <a:r>
-              <a:rPr lang="en-US" sz="1800" i="1" dirty="0"/>
+              <a:rPr lang="en-US" sz="1600" i="1" dirty="0"/>
               <a:t>Speaker, Module Title</a:t>
             </a:r>
             <a:r>
-              <a:rPr lang="en-US" sz="1800" dirty="0"/>
-              <a:t>, in Better Scientific Software Tutorial…</a:t>
+              <a:rPr lang="en-US" sz="1600" dirty="0"/>
+              <a:t>, in Software Productivity Track…</a:t>
             </a:r>
           </a:p>
           <a:p>
@@ -6438,12 +6423,12 @@
           <a:p>
             <a:pPr>
               <a:spcBef>
-                <a:spcPts val="0"/>
+                <a:spcPts val="400"/>
               </a:spcBef>
             </a:pPr>
             <a:r>
               <a:rPr lang="en-US" sz="1600" dirty="0"/>
-              <a:t>Additional contributors to this this tutorial include: Anshu Dubey, Mike </a:t>
+              <a:t>Additional contributors include: Patricia Grubel, Rinku Gupta, Mike </a:t>
             </a:r>
             <a:r>
               <a:rPr lang="en-US" sz="1600" dirty="0" err="1"/>
@@ -6459,18 +6444,13 @@
             </a:r>
             <a:r>
               <a:rPr lang="en-US" sz="1600" dirty="0"/>
-              <a:t>, Jared O’Neal, and Katherine Riley, James M. </a:t>
-            </a:r>
-            <a:r>
-              <a:rPr lang="en-US" sz="1600" dirty="0" err="1"/>
-              <a:t>Willenbring</a:t>
-            </a:r>
-            <a:endParaRPr lang="en-US" sz="1600" dirty="0"/>
+              <a:t>, Jared O’Neal, David Rogers</a:t>
+            </a:r>
           </a:p>
           <a:p>
             <a:pPr>
               <a:spcBef>
-                <a:spcPts val="600"/>
+                <a:spcPts val="400"/>
               </a:spcBef>
             </a:pPr>
             <a:r>
@@ -6494,20 +6474,12 @@
           <a:p>
             <a:pPr>
               <a:spcBef>
-                <a:spcPts val="600"/>
+                <a:spcPts val="400"/>
               </a:spcBef>
             </a:pPr>
             <a:r>
               <a:rPr lang="en-US" sz="1600" dirty="0"/>
-              <a:t>This work was performed in part at the Argonne National Laboratory, which is managed </a:t>
-            </a:r>
-            <a:r>
-              <a:rPr lang="en-US" sz="1600" dirty="0" err="1"/>
-              <a:t>managed</a:t>
-            </a:r>
-            <a:r>
-              <a:rPr lang="en-US" sz="1600" dirty="0"/>
-              <a:t> by </a:t>
+              <a:t>This work was performed in part at the Argonne National Laboratory, which is managed by </a:t>
             </a:r>
             <a:r>
               <a:rPr lang="en-US" sz="1600" dirty="0" err="1"/>
@@ -6521,7 +6493,7 @@
           <a:p>
             <a:pPr>
               <a:spcBef>
-                <a:spcPts val="600"/>
+                <a:spcPts val="400"/>
               </a:spcBef>
             </a:pPr>
             <a:r>
@@ -6532,12 +6504,23 @@
           <a:p>
             <a:pPr>
               <a:spcBef>
-                <a:spcPts val="600"/>
+                <a:spcPts val="400"/>
               </a:spcBef>
             </a:pPr>
             <a:r>
               <a:rPr lang="en-US" sz="1600" dirty="0"/>
-              <a:t>This work was performed in part at Sandia National Laboratories. Sandia National Laboratories is a multi-mission laboratory managed and operated by National Technology and Engineering Solutions of Sandia, LLC., a wholly owned subsidiary of Honeywell International, Inc., for the U.S. Department of Energy’s National Nuclear Security Administration under contract DE-NA0003525. SAND NO SAND2017-5474 PE</a:t>
+              <a:t>This work was performed in part at the Lawrence Livermore National Laboratory, which is managed by Lawrence Livermore National Security, LLC for the U.S. Department of Energy under Contract No. DE-AC52-07NA27344.</a:t>
+            </a:r>
+          </a:p>
+          <a:p>
+            <a:pPr>
+              <a:spcBef>
+                <a:spcPts val="400"/>
+              </a:spcBef>
+            </a:pPr>
+            <a:r>
+              <a:rPr lang="en-US" sz="1600" dirty="0"/>
+              <a:t>This work was performed in part at Sandia National Laboratories. Sandia National Laboratories is a multi-mission laboratory managed and operated by National Technology and Engineering Solutions of Sandia, LLC., a wholly owned subsidiary of Honeywell International, Inc., for the U.S. Department of Energy’s National Nuclear Security Administration under contract DE-NA0003525.</a:t>
             </a:r>
           </a:p>
         </p:txBody>
@@ -6592,7 +6575,7 @@
     </p:spTree>
     <p:extLst>
       <p:ext uri="{BB962C8B-B14F-4D97-AF65-F5344CB8AC3E}">
-        <p14:creationId xmlns:p14="http://schemas.microsoft.com/office/powerpoint/2010/main" val="978726433"/>
+        <p14:creationId xmlns:p14="http://schemas.microsoft.com/office/powerpoint/2010/main" val="3277133397"/>
       </p:ext>
     </p:extLst>
   </p:cSld>
@@ -11575,6 +11558,12 @@
 </file>
 
 <file path=customXml/item1.xml><?xml version="1.0" encoding="utf-8"?>
+<p:properties xmlns:p="http://schemas.microsoft.com/office/2006/metadata/properties" xmlns:xsi="http://www.w3.org/2001/XMLSchema-instance" xmlns:pc="http://schemas.microsoft.com/office/infopath/2007/PartnerControls">
+  <documentManagement/>
+</p:properties>
+</file>
+
+<file path=customXml/item2.xml><?xml version="1.0" encoding="utf-8"?>
 <ct:contentTypeSchema xmlns:ct="http://schemas.microsoft.com/office/2006/metadata/contentType" xmlns:ma="http://schemas.microsoft.com/office/2006/metadata/properties/metaAttributes" ct:_="" ma:_="" ma:contentTypeName="Document" ma:contentTypeID="0x010100565464437F680748A68B85EB6594EA7D" ma:contentTypeVersion="0" ma:contentTypeDescription="Create a new document." ma:contentTypeScope="" ma:versionID="fe3f4dd58d5914c51cfc6deaa8ad845c">
   <xsd:schema xmlns:xsd="http://www.w3.org/2001/XMLSchema" xmlns:p="http://schemas.microsoft.com/office/2006/metadata/properties" targetNamespace="http://schemas.microsoft.com/office/2006/metadata/properties" ma:root="true" ma:fieldsID="4aeb20c0e3442673af7ee10786458764">
     <xsd:element name="properties">
@@ -11623,12 +11612,6 @@
 </ct:contentTypeSchema>
 </file>
 
-<file path=customXml/item2.xml><?xml version="1.0" encoding="utf-8"?>
-<p:properties xmlns:p="http://schemas.microsoft.com/office/2006/metadata/properties" xmlns:xsi="http://www.w3.org/2001/XMLSchema-instance" xmlns:pc="http://schemas.microsoft.com/office/infopath/2007/PartnerControls">
-  <documentManagement/>
-</p:properties>
-</file>
-
 <file path=customXml/item3.xml><?xml version="1.0" encoding="utf-8"?>
 <?mso-contentType ?>
 <FormTemplates xmlns="http://schemas.microsoft.com/sharepoint/v3/contenttype/forms">
@@ -11639,6 +11622,21 @@
 </file>
 
 <file path=customXml/itemProps1.xml><?xml version="1.0" encoding="utf-8"?>
+<ds:datastoreItem xmlns:ds="http://schemas.openxmlformats.org/officeDocument/2006/customXml" ds:itemID="{A50EC660-24D0-43A0-AE5E-E274115E726B}">
+  <ds:schemaRefs>
+    <ds:schemaRef ds:uri="http://purl.org/dc/terms/"/>
+    <ds:schemaRef ds:uri="http://schemas.openxmlformats.org/package/2006/metadata/core-properties"/>
+    <ds:schemaRef ds:uri="http://schemas.microsoft.com/office/2006/documentManagement/types"/>
+    <ds:schemaRef ds:uri="http://purl.org/dc/elements/1.1/"/>
+    <ds:schemaRef ds:uri="http://schemas.microsoft.com/office/2006/metadata/properties"/>
+    <ds:schemaRef ds:uri="http://www.w3.org/XML/1998/namespace"/>
+    <ds:schemaRef ds:uri="http://purl.org/dc/dcmitype/"/>
+    <ds:schemaRef ds:uri="http://schemas.microsoft.com/office/infopath/2007/PartnerControls"/>
+  </ds:schemaRefs>
+</ds:datastoreItem>
+</file>
+
+<file path=customXml/itemProps2.xml><?xml version="1.0" encoding="utf-8"?>
 <ds:datastoreItem xmlns:ds="http://schemas.openxmlformats.org/officeDocument/2006/customXml" ds:itemID="{E8DB7DEB-074E-4EE8-9B6E-FD277323109C}">
   <ds:schemaRefs>
     <ds:schemaRef ds:uri="http://schemas.microsoft.com/office/2006/metadata/contentType"/>
@@ -11653,21 +11651,6 @@
 </ds:datastoreItem>
 </file>
 
-<file path=customXml/itemProps2.xml><?xml version="1.0" encoding="utf-8"?>
-<ds:datastoreItem xmlns:ds="http://schemas.openxmlformats.org/officeDocument/2006/customXml" ds:itemID="{A50EC660-24D0-43A0-AE5E-E274115E726B}">
-  <ds:schemaRefs>
-    <ds:schemaRef ds:uri="http://purl.org/dc/terms/"/>
-    <ds:schemaRef ds:uri="http://schemas.openxmlformats.org/package/2006/metadata/core-properties"/>
-    <ds:schemaRef ds:uri="http://schemas.microsoft.com/office/2006/documentManagement/types"/>
-    <ds:schemaRef ds:uri="http://purl.org/dc/elements/1.1/"/>
-    <ds:schemaRef ds:uri="http://schemas.microsoft.com/office/2006/metadata/properties"/>
-    <ds:schemaRef ds:uri="http://www.w3.org/XML/1998/namespace"/>
-    <ds:schemaRef ds:uri="http://purl.org/dc/dcmitype/"/>
-    <ds:schemaRef ds:uri="http://schemas.microsoft.com/office/infopath/2007/PartnerControls"/>
-  </ds:schemaRefs>
-</ds:datastoreItem>
-</file>
-
 <file path=customXml/itemProps3.xml><?xml version="1.0" encoding="utf-8"?>
 <ds:datastoreItem xmlns:ds="http://schemas.openxmlformats.org/officeDocument/2006/customXml" ds:itemID="{19E20559-B232-4371-8690-E3D8007EDB82}">
   <ds:schemaRefs>
